--- a/talks/id24 - ND Web Design.pptx
+++ b/talks/id24 - ND Web Design.pptx
@@ -16,12 +16,12 @@
     <p:sldId id="280" r:id="rId7"/>
     <p:sldId id="260" r:id="rId8"/>
     <p:sldId id="291" r:id="rId9"/>
-    <p:sldId id="262" r:id="rId10"/>
-    <p:sldId id="263" r:id="rId11"/>
-    <p:sldId id="264" r:id="rId12"/>
-    <p:sldId id="284" r:id="rId13"/>
-    <p:sldId id="265" r:id="rId14"/>
-    <p:sldId id="261" r:id="rId15"/>
+    <p:sldId id="261" r:id="rId10"/>
+    <p:sldId id="262" r:id="rId11"/>
+    <p:sldId id="263" r:id="rId12"/>
+    <p:sldId id="264" r:id="rId13"/>
+    <p:sldId id="284" r:id="rId14"/>
+    <p:sldId id="265" r:id="rId15"/>
     <p:sldId id="276" r:id="rId16"/>
     <p:sldId id="292" r:id="rId17"/>
     <p:sldId id="283" r:id="rId18"/>
@@ -34,8 +34,8 @@
     <p:sldId id="289" r:id="rId25"/>
     <p:sldId id="290" r:id="rId26"/>
     <p:sldId id="275" r:id="rId27"/>
-    <p:sldId id="274" r:id="rId28"/>
-    <p:sldId id="267" r:id="rId29"/>
+    <p:sldId id="267" r:id="rId28"/>
+    <p:sldId id="274" r:id="rId29"/>
     <p:sldId id="281" r:id="rId30"/>
     <p:sldId id="282" r:id="rId31"/>
     <p:sldId id="272" r:id="rId32"/>
@@ -1435,7 +1435,7 @@
   <dgm:whole/>
   <dgm:extLst>
     <a:ext uri="http://schemas.microsoft.com/office/drawing/2008/diagram">
-      <dsp:dataModelExt xmlns:dsp="http://schemas.microsoft.com/office/drawing/2008/diagram" relId="rId7" minVer="http://schemas.openxmlformats.org/drawingml/2006/diagram"/>
+      <dsp:dataModelExt xmlns:dsp="http://schemas.microsoft.com/office/drawing/2008/diagram" relId="rId8" minVer="http://schemas.openxmlformats.org/drawingml/2006/diagram"/>
     </a:ext>
   </dgm:extLst>
 </dgm:dataModel>
@@ -4224,9 +4224,93 @@
           <a:bodyPr/>
           <a:lstStyle/>
           <a:p>
+            <a:endParaRPr lang="en-US" dirty="0"/>
+          </a:p>
+        </p:txBody>
+      </p:sp>
+      <p:sp>
+        <p:nvSpPr>
+          <p:cNvPr id="4" name="Slide Number Placeholder 3"/>
+          <p:cNvSpPr>
+            <a:spLocks noGrp="1"/>
+          </p:cNvSpPr>
+          <p:nvPr>
+            <p:ph type="sldNum" sz="quarter" idx="5"/>
+          </p:nvPr>
+        </p:nvSpPr>
+        <p:spPr/>
+        <p:txBody>
+          <a:bodyPr/>
+          <a:lstStyle/>
+          <a:p>
+            <a:fld id="{F69B1B21-43ED-C746-9DA9-96C437D0A347}" type="slidenum">
+              <a:rPr lang="en-US" smtClean="0"/>
+              <a:t>1</a:t>
+            </a:fld>
+            <a:endParaRPr lang="en-US"/>
+          </a:p>
+        </p:txBody>
+      </p:sp>
+    </p:spTree>
+    <p:extLst>
+      <p:ext uri="{BB962C8B-B14F-4D97-AF65-F5344CB8AC3E}">
+        <p14:creationId xmlns:p14="http://schemas.microsoft.com/office/powerpoint/2010/main" val="3569136252"/>
+      </p:ext>
+    </p:extLst>
+  </p:cSld>
+  <p:clrMapOvr>
+    <a:masterClrMapping/>
+  </p:clrMapOvr>
+</p:notes>
+</file>
+
+<file path=ppt/notesSlides/notesSlide10.xml><?xml version="1.0" encoding="utf-8"?>
+<p:notes xmlns:a="http://schemas.openxmlformats.org/drawingml/2006/main" xmlns:r="http://schemas.openxmlformats.org/officeDocument/2006/relationships" xmlns:p="http://schemas.openxmlformats.org/presentationml/2006/main">
+  <p:cSld>
+    <p:spTree>
+      <p:nvGrpSpPr>
+        <p:cNvPr id="1" name=""/>
+        <p:cNvGrpSpPr/>
+        <p:nvPr/>
+      </p:nvGrpSpPr>
+      <p:grpSpPr>
+        <a:xfrm>
+          <a:off x="0" y="0"/>
+          <a:ext cx="0" cy="0"/>
+          <a:chOff x="0" y="0"/>
+          <a:chExt cx="0" cy="0"/>
+        </a:xfrm>
+      </p:grpSpPr>
+      <p:sp>
+        <p:nvSpPr>
+          <p:cNvPr id="2" name="Slide Image Placeholder 1"/>
+          <p:cNvSpPr>
+            <a:spLocks noGrp="1" noRot="1" noChangeAspect="1"/>
+          </p:cNvSpPr>
+          <p:nvPr>
+            <p:ph type="sldImg"/>
+          </p:nvPr>
+        </p:nvSpPr>
+        <p:spPr/>
+      </p:sp>
+      <p:sp>
+        <p:nvSpPr>
+          <p:cNvPr id="3" name="Notes Placeholder 2"/>
+          <p:cNvSpPr>
+            <a:spLocks noGrp="1"/>
+          </p:cNvSpPr>
+          <p:nvPr>
+            <p:ph type="body" idx="1"/>
+          </p:nvPr>
+        </p:nvSpPr>
+        <p:spPr/>
+        <p:txBody>
+          <a:bodyPr/>
+          <a:lstStyle/>
+          <a:p>
             <a:r>
               <a:rPr lang="en-US" dirty="0"/>
-              <a:t>Both the list of facets of neurodivergence and the list of potential problems ND folk have with websites. The intention of this talk is to foster empathy and thoughtfulness and to suggest ways to continue learning.</a:t>
+              <a:t>Twitter / X top tip!</a:t>
             </a:r>
           </a:p>
         </p:txBody>
@@ -4248,7 +4332,7 @@
           <a:p>
             <a:fld id="{F69B1B21-43ED-C746-9DA9-96C437D0A347}" type="slidenum">
               <a:rPr lang="en-US" smtClean="0"/>
-              <a:t>7</a:t>
+              <a:t>31</a:t>
             </a:fld>
             <a:endParaRPr lang="en-US"/>
           </a:p>
@@ -4257,7 +4341,7 @@
     </p:spTree>
     <p:extLst>
       <p:ext uri="{BB962C8B-B14F-4D97-AF65-F5344CB8AC3E}">
-        <p14:creationId xmlns:p14="http://schemas.microsoft.com/office/powerpoint/2010/main" val="1488864665"/>
+        <p14:creationId xmlns:p14="http://schemas.microsoft.com/office/powerpoint/2010/main" val="3549996166"/>
       </p:ext>
     </p:extLst>
   </p:cSld>
@@ -4267,7 +4351,118 @@
 </p:notes>
 </file>
 
-<file path=ppt/notesSlides/notesSlide10.xml><?xml version="1.0" encoding="utf-8"?>
+<file path=ppt/notesSlides/notesSlide11.xml><?xml version="1.0" encoding="utf-8"?>
+<p:notes xmlns:a="http://schemas.openxmlformats.org/drawingml/2006/main" xmlns:r="http://schemas.openxmlformats.org/officeDocument/2006/relationships" xmlns:p="http://schemas.openxmlformats.org/presentationml/2006/main">
+  <p:cSld>
+    <p:spTree>
+      <p:nvGrpSpPr>
+        <p:cNvPr id="1" name="">
+          <a:extLst>
+            <a:ext uri="{FF2B5EF4-FFF2-40B4-BE49-F238E27FC236}">
+              <a16:creationId xmlns:a16="http://schemas.microsoft.com/office/drawing/2014/main" id="{B3482172-2401-BEDE-D58F-46D89A747852}"/>
+            </a:ext>
+          </a:extLst>
+        </p:cNvPr>
+        <p:cNvGrpSpPr/>
+        <p:nvPr/>
+      </p:nvGrpSpPr>
+      <p:grpSpPr>
+        <a:xfrm>
+          <a:off x="0" y="0"/>
+          <a:ext cx="0" cy="0"/>
+          <a:chOff x="0" y="0"/>
+          <a:chExt cx="0" cy="0"/>
+        </a:xfrm>
+      </p:grpSpPr>
+      <p:sp>
+        <p:nvSpPr>
+          <p:cNvPr id="2" name="Slide Image Placeholder 1">
+            <a:extLst>
+              <a:ext uri="{FF2B5EF4-FFF2-40B4-BE49-F238E27FC236}">
+                <a16:creationId xmlns:a16="http://schemas.microsoft.com/office/drawing/2014/main" id="{B5B25DA1-5F15-9C02-B392-4B583BE35FA6}"/>
+              </a:ext>
+            </a:extLst>
+          </p:cNvPr>
+          <p:cNvSpPr>
+            <a:spLocks noGrp="1" noRot="1" noChangeAspect="1"/>
+          </p:cNvSpPr>
+          <p:nvPr>
+            <p:ph type="sldImg"/>
+          </p:nvPr>
+        </p:nvSpPr>
+        <p:spPr/>
+      </p:sp>
+      <p:sp>
+        <p:nvSpPr>
+          <p:cNvPr id="3" name="Notes Placeholder 2">
+            <a:extLst>
+              <a:ext uri="{FF2B5EF4-FFF2-40B4-BE49-F238E27FC236}">
+                <a16:creationId xmlns:a16="http://schemas.microsoft.com/office/drawing/2014/main" id="{75CCD5C8-E617-CACF-5180-D01C5B2CE119}"/>
+              </a:ext>
+            </a:extLst>
+          </p:cNvPr>
+          <p:cNvSpPr>
+            <a:spLocks noGrp="1"/>
+          </p:cNvSpPr>
+          <p:nvPr>
+            <p:ph type="body" idx="1"/>
+          </p:nvPr>
+        </p:nvSpPr>
+        <p:spPr/>
+        <p:txBody>
+          <a:bodyPr/>
+          <a:lstStyle/>
+          <a:p>
+            <a:r>
+              <a:rPr lang="en-US" dirty="0"/>
+              <a:t>Both the list of facets of neurodivergence and the list of potential problems ND folk have with websites. The intention of this talk is to foster empathy and thoughtfulness and to suggest ways to continue learning.</a:t>
+            </a:r>
+          </a:p>
+        </p:txBody>
+      </p:sp>
+      <p:sp>
+        <p:nvSpPr>
+          <p:cNvPr id="4" name="Slide Number Placeholder 3">
+            <a:extLst>
+              <a:ext uri="{FF2B5EF4-FFF2-40B4-BE49-F238E27FC236}">
+                <a16:creationId xmlns:a16="http://schemas.microsoft.com/office/drawing/2014/main" id="{700E20CB-4548-BFB2-0CED-DFC6306D77AE}"/>
+              </a:ext>
+            </a:extLst>
+          </p:cNvPr>
+          <p:cNvSpPr>
+            <a:spLocks noGrp="1"/>
+          </p:cNvSpPr>
+          <p:nvPr>
+            <p:ph type="sldNum" sz="quarter" idx="5"/>
+          </p:nvPr>
+        </p:nvSpPr>
+        <p:spPr/>
+        <p:txBody>
+          <a:bodyPr/>
+          <a:lstStyle/>
+          <a:p>
+            <a:fld id="{F69B1B21-43ED-C746-9DA9-96C437D0A347}" type="slidenum">
+              <a:rPr lang="en-US" smtClean="0"/>
+              <a:t>32</a:t>
+            </a:fld>
+            <a:endParaRPr lang="en-US"/>
+          </a:p>
+        </p:txBody>
+      </p:sp>
+    </p:spTree>
+    <p:extLst>
+      <p:ext uri="{BB962C8B-B14F-4D97-AF65-F5344CB8AC3E}">
+        <p14:creationId xmlns:p14="http://schemas.microsoft.com/office/powerpoint/2010/main" val="3545456154"/>
+      </p:ext>
+    </p:extLst>
+  </p:cSld>
+  <p:clrMapOvr>
+    <a:masterClrMapping/>
+  </p:clrMapOvr>
+</p:notes>
+</file>
+
+<file path=ppt/notesSlides/notesSlide12.xml><?xml version="1.0" encoding="utf-8"?>
 <p:notes xmlns:a="http://schemas.openxmlformats.org/drawingml/2006/main" xmlns:r="http://schemas.openxmlformats.org/officeDocument/2006/relationships" xmlns:p="http://schemas.openxmlformats.org/presentationml/2006/main">
   <p:cSld>
     <p:spTree>
@@ -4355,6 +4550,177 @@
 </file>
 
 <file path=ppt/notesSlides/notesSlide2.xml><?xml version="1.0" encoding="utf-8"?>
+<p:notes xmlns:a="http://schemas.openxmlformats.org/drawingml/2006/main" xmlns:r="http://schemas.openxmlformats.org/officeDocument/2006/relationships" xmlns:p="http://schemas.openxmlformats.org/presentationml/2006/main">
+  <p:cSld>
+    <p:spTree>
+      <p:nvGrpSpPr>
+        <p:cNvPr id="1" name=""/>
+        <p:cNvGrpSpPr/>
+        <p:nvPr/>
+      </p:nvGrpSpPr>
+      <p:grpSpPr>
+        <a:xfrm>
+          <a:off x="0" y="0"/>
+          <a:ext cx="0" cy="0"/>
+          <a:chOff x="0" y="0"/>
+          <a:chExt cx="0" cy="0"/>
+        </a:xfrm>
+      </p:grpSpPr>
+      <p:sp>
+        <p:nvSpPr>
+          <p:cNvPr id="2" name="Slide Image Placeholder 1"/>
+          <p:cNvSpPr>
+            <a:spLocks noGrp="1" noRot="1" noChangeAspect="1"/>
+          </p:cNvSpPr>
+          <p:nvPr>
+            <p:ph type="sldImg"/>
+          </p:nvPr>
+        </p:nvSpPr>
+        <p:spPr/>
+      </p:sp>
+      <p:sp>
+        <p:nvSpPr>
+          <p:cNvPr id="3" name="Notes Placeholder 2"/>
+          <p:cNvSpPr>
+            <a:spLocks noGrp="1"/>
+          </p:cNvSpPr>
+          <p:nvPr>
+            <p:ph type="body" idx="1"/>
+          </p:nvPr>
+        </p:nvSpPr>
+        <p:spPr/>
+        <p:txBody>
+          <a:bodyPr/>
+          <a:lstStyle/>
+          <a:p>
+            <a:endParaRPr lang="en-US" dirty="0"/>
+          </a:p>
+        </p:txBody>
+      </p:sp>
+      <p:sp>
+        <p:nvSpPr>
+          <p:cNvPr id="4" name="Slide Number Placeholder 3"/>
+          <p:cNvSpPr>
+            <a:spLocks noGrp="1"/>
+          </p:cNvSpPr>
+          <p:nvPr>
+            <p:ph type="sldNum" sz="quarter" idx="5"/>
+          </p:nvPr>
+        </p:nvSpPr>
+        <p:spPr/>
+        <p:txBody>
+          <a:bodyPr/>
+          <a:lstStyle/>
+          <a:p>
+            <a:fld id="{F69B1B21-43ED-C746-9DA9-96C437D0A347}" type="slidenum">
+              <a:rPr lang="en-US" smtClean="0"/>
+              <a:t>2</a:t>
+            </a:fld>
+            <a:endParaRPr lang="en-US"/>
+          </a:p>
+        </p:txBody>
+      </p:sp>
+    </p:spTree>
+    <p:extLst>
+      <p:ext uri="{BB962C8B-B14F-4D97-AF65-F5344CB8AC3E}">
+        <p14:creationId xmlns:p14="http://schemas.microsoft.com/office/powerpoint/2010/main" val="585699914"/>
+      </p:ext>
+    </p:extLst>
+  </p:cSld>
+  <p:clrMapOvr>
+    <a:masterClrMapping/>
+  </p:clrMapOvr>
+</p:notes>
+</file>
+
+<file path=ppt/notesSlides/notesSlide3.xml><?xml version="1.0" encoding="utf-8"?>
+<p:notes xmlns:a="http://schemas.openxmlformats.org/drawingml/2006/main" xmlns:r="http://schemas.openxmlformats.org/officeDocument/2006/relationships" xmlns:p="http://schemas.openxmlformats.org/presentationml/2006/main">
+  <p:cSld>
+    <p:spTree>
+      <p:nvGrpSpPr>
+        <p:cNvPr id="1" name=""/>
+        <p:cNvGrpSpPr/>
+        <p:nvPr/>
+      </p:nvGrpSpPr>
+      <p:grpSpPr>
+        <a:xfrm>
+          <a:off x="0" y="0"/>
+          <a:ext cx="0" cy="0"/>
+          <a:chOff x="0" y="0"/>
+          <a:chExt cx="0" cy="0"/>
+        </a:xfrm>
+      </p:grpSpPr>
+      <p:sp>
+        <p:nvSpPr>
+          <p:cNvPr id="2" name="Slide Image Placeholder 1"/>
+          <p:cNvSpPr>
+            <a:spLocks noGrp="1" noRot="1" noChangeAspect="1"/>
+          </p:cNvSpPr>
+          <p:nvPr>
+            <p:ph type="sldImg"/>
+          </p:nvPr>
+        </p:nvSpPr>
+        <p:spPr/>
+      </p:sp>
+      <p:sp>
+        <p:nvSpPr>
+          <p:cNvPr id="3" name="Notes Placeholder 2"/>
+          <p:cNvSpPr>
+            <a:spLocks noGrp="1"/>
+          </p:cNvSpPr>
+          <p:nvPr>
+            <p:ph type="body" idx="1"/>
+          </p:nvPr>
+        </p:nvSpPr>
+        <p:spPr/>
+        <p:txBody>
+          <a:bodyPr/>
+          <a:lstStyle/>
+          <a:p>
+            <a:r>
+              <a:rPr lang="en-US" dirty="0"/>
+              <a:t>Both the list of facets of neurodivergence and the list of potential problems ND folk have with websites. The intention of this talk is to foster empathy and thoughtfulness and to suggest ways to continue learning.</a:t>
+            </a:r>
+          </a:p>
+        </p:txBody>
+      </p:sp>
+      <p:sp>
+        <p:nvSpPr>
+          <p:cNvPr id="4" name="Slide Number Placeholder 3"/>
+          <p:cNvSpPr>
+            <a:spLocks noGrp="1"/>
+          </p:cNvSpPr>
+          <p:nvPr>
+            <p:ph type="sldNum" sz="quarter" idx="5"/>
+          </p:nvPr>
+        </p:nvSpPr>
+        <p:spPr/>
+        <p:txBody>
+          <a:bodyPr/>
+          <a:lstStyle/>
+          <a:p>
+            <a:fld id="{F69B1B21-43ED-C746-9DA9-96C437D0A347}" type="slidenum">
+              <a:rPr lang="en-US" smtClean="0"/>
+              <a:t>7</a:t>
+            </a:fld>
+            <a:endParaRPr lang="en-US"/>
+          </a:p>
+        </p:txBody>
+      </p:sp>
+    </p:spTree>
+    <p:extLst>
+      <p:ext uri="{BB962C8B-B14F-4D97-AF65-F5344CB8AC3E}">
+        <p14:creationId xmlns:p14="http://schemas.microsoft.com/office/powerpoint/2010/main" val="1488864665"/>
+      </p:ext>
+    </p:extLst>
+  </p:cSld>
+  <p:clrMapOvr>
+    <a:masterClrMapping/>
+  </p:clrMapOvr>
+</p:notes>
+</file>
+
+<file path=ppt/notesSlides/notesSlide4.xml><?xml version="1.0" encoding="utf-8"?>
 <p:notes xmlns:a="http://schemas.openxmlformats.org/drawingml/2006/main" xmlns:r="http://schemas.openxmlformats.org/officeDocument/2006/relationships" xmlns:p="http://schemas.openxmlformats.org/presentationml/2006/main">
   <p:cSld>
     <p:spTree>
@@ -4465,7 +4831,7 @@
 </p:notes>
 </file>
 
-<file path=ppt/notesSlides/notesSlide3.xml><?xml version="1.0" encoding="utf-8"?>
+<file path=ppt/notesSlides/notesSlide5.xml><?xml version="1.0" encoding="utf-8"?>
 <p:notes xmlns:a="http://schemas.openxmlformats.org/drawingml/2006/main" xmlns:r="http://schemas.openxmlformats.org/officeDocument/2006/relationships" xmlns:p="http://schemas.openxmlformats.org/presentationml/2006/main">
   <p:cSld>
     <p:spTree>
@@ -4533,7 +4899,7 @@
           <a:p>
             <a:fld id="{F69B1B21-43ED-C746-9DA9-96C437D0A347}" type="slidenum">
               <a:rPr lang="en-US" smtClean="0"/>
-              <a:t>11</a:t>
+              <a:t>12</a:t>
             </a:fld>
             <a:endParaRPr lang="en-US"/>
           </a:p>
@@ -4552,7 +4918,7 @@
 </p:notes>
 </file>
 
-<file path=ppt/notesSlides/notesSlide4.xml><?xml version="1.0" encoding="utf-8"?>
+<file path=ppt/notesSlides/notesSlide6.xml><?xml version="1.0" encoding="utf-8"?>
 <p:notes xmlns:a="http://schemas.openxmlformats.org/drawingml/2006/main" xmlns:r="http://schemas.openxmlformats.org/officeDocument/2006/relationships" xmlns:p="http://schemas.openxmlformats.org/presentationml/2006/main">
   <p:cSld>
     <p:spTree>
@@ -4663,7 +5029,7 @@
 </p:notes>
 </file>
 
-<file path=ppt/notesSlides/notesSlide5.xml><?xml version="1.0" encoding="utf-8"?>
+<file path=ppt/notesSlides/notesSlide7.xml><?xml version="1.0" encoding="utf-8"?>
 <p:notes xmlns:a="http://schemas.openxmlformats.org/drawingml/2006/main" xmlns:r="http://schemas.openxmlformats.org/officeDocument/2006/relationships" xmlns:p="http://schemas.openxmlformats.org/presentationml/2006/main">
   <p:cSld>
     <p:spTree>
@@ -4750,7 +5116,7 @@
 </p:notes>
 </file>
 
-<file path=ppt/notesSlides/notesSlide6.xml><?xml version="1.0" encoding="utf-8"?>
+<file path=ppt/notesSlides/notesSlide8.xml><?xml version="1.0" encoding="utf-8"?>
 <p:notes xmlns:a="http://schemas.openxmlformats.org/drawingml/2006/main" xmlns:r="http://schemas.openxmlformats.org/officeDocument/2006/relationships" xmlns:p="http://schemas.openxmlformats.org/presentationml/2006/main">
   <p:cSld>
     <p:spTree>
@@ -4796,11 +5162,7 @@
           <a:p>
             <a:r>
               <a:rPr lang="en-US" dirty="0"/>
-              <a:t>You’re half way Owen. </a:t>
-            </a:r>
-            <a:r>
-              <a:rPr lang="en-US"/>
-              <a:t>Keep going!</a:t>
+              <a:t>You’re half way Owen. Keep going!</a:t>
             </a:r>
           </a:p>
         </p:txBody>
@@ -4841,7 +5203,7 @@
 </p:notes>
 </file>
 
-<file path=ppt/notesSlides/notesSlide7.xml><?xml version="1.0" encoding="utf-8"?>
+<file path=ppt/notesSlides/notesSlide9.xml><?xml version="1.0" encoding="utf-8"?>
 <p:notes xmlns:a="http://schemas.openxmlformats.org/drawingml/2006/main" xmlns:r="http://schemas.openxmlformats.org/officeDocument/2006/relationships" xmlns:p="http://schemas.openxmlformats.org/presentationml/2006/main">
   <p:cSld>
     <p:spTree>
@@ -4943,204 +5305,6 @@
     <p:extLst>
       <p:ext uri="{BB962C8B-B14F-4D97-AF65-F5344CB8AC3E}">
         <p14:creationId xmlns:p14="http://schemas.microsoft.com/office/powerpoint/2010/main" val="669730271"/>
-      </p:ext>
-    </p:extLst>
-  </p:cSld>
-  <p:clrMapOvr>
-    <a:masterClrMapping/>
-  </p:clrMapOvr>
-</p:notes>
-</file>
-
-<file path=ppt/notesSlides/notesSlide8.xml><?xml version="1.0" encoding="utf-8"?>
-<p:notes xmlns:a="http://schemas.openxmlformats.org/drawingml/2006/main" xmlns:r="http://schemas.openxmlformats.org/officeDocument/2006/relationships" xmlns:p="http://schemas.openxmlformats.org/presentationml/2006/main">
-  <p:cSld>
-    <p:spTree>
-      <p:nvGrpSpPr>
-        <p:cNvPr id="1" name=""/>
-        <p:cNvGrpSpPr/>
-        <p:nvPr/>
-      </p:nvGrpSpPr>
-      <p:grpSpPr>
-        <a:xfrm>
-          <a:off x="0" y="0"/>
-          <a:ext cx="0" cy="0"/>
-          <a:chOff x="0" y="0"/>
-          <a:chExt cx="0" cy="0"/>
-        </a:xfrm>
-      </p:grpSpPr>
-      <p:sp>
-        <p:nvSpPr>
-          <p:cNvPr id="2" name="Slide Image Placeholder 1"/>
-          <p:cNvSpPr>
-            <a:spLocks noGrp="1" noRot="1" noChangeAspect="1"/>
-          </p:cNvSpPr>
-          <p:nvPr>
-            <p:ph type="sldImg"/>
-          </p:nvPr>
-        </p:nvSpPr>
-        <p:spPr/>
-      </p:sp>
-      <p:sp>
-        <p:nvSpPr>
-          <p:cNvPr id="3" name="Notes Placeholder 2"/>
-          <p:cNvSpPr>
-            <a:spLocks noGrp="1"/>
-          </p:cNvSpPr>
-          <p:nvPr>
-            <p:ph type="body" idx="1"/>
-          </p:nvPr>
-        </p:nvSpPr>
-        <p:spPr/>
-        <p:txBody>
-          <a:bodyPr/>
-          <a:lstStyle/>
-          <a:p>
-            <a:r>
-              <a:rPr lang="en-US" dirty="0"/>
-              <a:t>Twitter / X top tip!</a:t>
-            </a:r>
-          </a:p>
-        </p:txBody>
-      </p:sp>
-      <p:sp>
-        <p:nvSpPr>
-          <p:cNvPr id="4" name="Slide Number Placeholder 3"/>
-          <p:cNvSpPr>
-            <a:spLocks noGrp="1"/>
-          </p:cNvSpPr>
-          <p:nvPr>
-            <p:ph type="sldNum" sz="quarter" idx="5"/>
-          </p:nvPr>
-        </p:nvSpPr>
-        <p:spPr/>
-        <p:txBody>
-          <a:bodyPr/>
-          <a:lstStyle/>
-          <a:p>
-            <a:fld id="{F69B1B21-43ED-C746-9DA9-96C437D0A347}" type="slidenum">
-              <a:rPr lang="en-US" smtClean="0"/>
-              <a:t>31</a:t>
-            </a:fld>
-            <a:endParaRPr lang="en-US"/>
-          </a:p>
-        </p:txBody>
-      </p:sp>
-    </p:spTree>
-    <p:extLst>
-      <p:ext uri="{BB962C8B-B14F-4D97-AF65-F5344CB8AC3E}">
-        <p14:creationId xmlns:p14="http://schemas.microsoft.com/office/powerpoint/2010/main" val="3549996166"/>
-      </p:ext>
-    </p:extLst>
-  </p:cSld>
-  <p:clrMapOvr>
-    <a:masterClrMapping/>
-  </p:clrMapOvr>
-</p:notes>
-</file>
-
-<file path=ppt/notesSlides/notesSlide9.xml><?xml version="1.0" encoding="utf-8"?>
-<p:notes xmlns:a="http://schemas.openxmlformats.org/drawingml/2006/main" xmlns:r="http://schemas.openxmlformats.org/officeDocument/2006/relationships" xmlns:p="http://schemas.openxmlformats.org/presentationml/2006/main">
-  <p:cSld>
-    <p:spTree>
-      <p:nvGrpSpPr>
-        <p:cNvPr id="1" name="">
-          <a:extLst>
-            <a:ext uri="{FF2B5EF4-FFF2-40B4-BE49-F238E27FC236}">
-              <a16:creationId xmlns:a16="http://schemas.microsoft.com/office/drawing/2014/main" id="{B3482172-2401-BEDE-D58F-46D89A747852}"/>
-            </a:ext>
-          </a:extLst>
-        </p:cNvPr>
-        <p:cNvGrpSpPr/>
-        <p:nvPr/>
-      </p:nvGrpSpPr>
-      <p:grpSpPr>
-        <a:xfrm>
-          <a:off x="0" y="0"/>
-          <a:ext cx="0" cy="0"/>
-          <a:chOff x="0" y="0"/>
-          <a:chExt cx="0" cy="0"/>
-        </a:xfrm>
-      </p:grpSpPr>
-      <p:sp>
-        <p:nvSpPr>
-          <p:cNvPr id="2" name="Slide Image Placeholder 1">
-            <a:extLst>
-              <a:ext uri="{FF2B5EF4-FFF2-40B4-BE49-F238E27FC236}">
-                <a16:creationId xmlns:a16="http://schemas.microsoft.com/office/drawing/2014/main" id="{B5B25DA1-5F15-9C02-B392-4B583BE35FA6}"/>
-              </a:ext>
-            </a:extLst>
-          </p:cNvPr>
-          <p:cNvSpPr>
-            <a:spLocks noGrp="1" noRot="1" noChangeAspect="1"/>
-          </p:cNvSpPr>
-          <p:nvPr>
-            <p:ph type="sldImg"/>
-          </p:nvPr>
-        </p:nvSpPr>
-        <p:spPr/>
-      </p:sp>
-      <p:sp>
-        <p:nvSpPr>
-          <p:cNvPr id="3" name="Notes Placeholder 2">
-            <a:extLst>
-              <a:ext uri="{FF2B5EF4-FFF2-40B4-BE49-F238E27FC236}">
-                <a16:creationId xmlns:a16="http://schemas.microsoft.com/office/drawing/2014/main" id="{75CCD5C8-E617-CACF-5180-D01C5B2CE119}"/>
-              </a:ext>
-            </a:extLst>
-          </p:cNvPr>
-          <p:cNvSpPr>
-            <a:spLocks noGrp="1"/>
-          </p:cNvSpPr>
-          <p:nvPr>
-            <p:ph type="body" idx="1"/>
-          </p:nvPr>
-        </p:nvSpPr>
-        <p:spPr/>
-        <p:txBody>
-          <a:bodyPr/>
-          <a:lstStyle/>
-          <a:p>
-            <a:r>
-              <a:rPr lang="en-US" dirty="0"/>
-              <a:t>Both the list of facets of neurodivergence and the list of potential problems ND folk have with websites. The intention of this talk is to foster empathy and thoughtfulness and to suggest ways to continue learning.</a:t>
-            </a:r>
-          </a:p>
-        </p:txBody>
-      </p:sp>
-      <p:sp>
-        <p:nvSpPr>
-          <p:cNvPr id="4" name="Slide Number Placeholder 3">
-            <a:extLst>
-              <a:ext uri="{FF2B5EF4-FFF2-40B4-BE49-F238E27FC236}">
-                <a16:creationId xmlns:a16="http://schemas.microsoft.com/office/drawing/2014/main" id="{700E20CB-4548-BFB2-0CED-DFC6306D77AE}"/>
-              </a:ext>
-            </a:extLst>
-          </p:cNvPr>
-          <p:cNvSpPr>
-            <a:spLocks noGrp="1"/>
-          </p:cNvSpPr>
-          <p:nvPr>
-            <p:ph type="sldNum" sz="quarter" idx="5"/>
-          </p:nvPr>
-        </p:nvSpPr>
-        <p:spPr/>
-        <p:txBody>
-          <a:bodyPr/>
-          <a:lstStyle/>
-          <a:p>
-            <a:fld id="{F69B1B21-43ED-C746-9DA9-96C437D0A347}" type="slidenum">
-              <a:rPr lang="en-US" smtClean="0"/>
-              <a:t>32</a:t>
-            </a:fld>
-            <a:endParaRPr lang="en-US"/>
-          </a:p>
-        </p:txBody>
-      </p:sp>
-    </p:spTree>
-    <p:extLst>
-      <p:ext uri="{BB962C8B-B14F-4D97-AF65-F5344CB8AC3E}">
-        <p14:creationId xmlns:p14="http://schemas.microsoft.com/office/powerpoint/2010/main" val="3545456154"/>
       </p:ext>
     </p:extLst>
   </p:cSld>
@@ -18779,7 +18943,7 @@
     <p:bg>
       <p:bgPr>
         <a:blipFill rotWithShape="1">
-          <a:blip r:embed="rId2">
+          <a:blip r:embed="rId3">
             <a:duotone>
               <a:schemeClr val="bg2">
                 <a:shade val="62000"/>
@@ -19138,8 +19302,8 @@
         </p:nvSpPr>
         <p:spPr>
           <a:xfrm>
-            <a:off x="4532913" y="5079635"/>
-            <a:ext cx="3126177" cy="646331"/>
+            <a:off x="2138026" y="5079635"/>
+            <a:ext cx="7915950" cy="1200329"/>
           </a:xfrm>
           <a:prstGeom prst="rect">
             <a:avLst/>
@@ -19161,10 +19325,59 @@
           <a:p>
             <a:pPr algn="ctr"/>
             <a:r>
-              <a:rPr lang="en-US" dirty="0" err="1"/>
+              <a:rPr lang="en-US" dirty="0">
+                <a:solidFill>
+                  <a:srgbClr val="FFFF00"/>
+                </a:solidFill>
+                <a:hlinkClick r:id="rId4">
+                  <a:extLst>
+                    <a:ext uri="{A12FA001-AC4F-418D-AE19-62706E023703}">
+                      <ahyp:hlinkClr xmlns:ahyp="http://schemas.microsoft.com/office/drawing/2018/hyperlinkcolor" val="tx"/>
+                    </a:ext>
+                  </a:extLst>
+                </a:hlinkClick>
+              </a:rPr>
               <a:t>owenniblock@github.com</a:t>
             </a:r>
+            <a:endParaRPr lang="en-US" dirty="0">
+              <a:solidFill>
+                <a:srgbClr val="FFFF00"/>
+              </a:solidFill>
+            </a:endParaRPr>
+          </a:p>
+          <a:p>
+            <a:pPr algn="ctr"/>
             <a:endParaRPr lang="en-US" dirty="0"/>
+          </a:p>
+          <a:p>
+            <a:pPr algn="ctr"/>
+            <a:r>
+              <a:rPr lang="en-US" dirty="0"/>
+              <a:t>Slides: </a:t>
+            </a:r>
+            <a:r>
+              <a:rPr lang="en-US" dirty="0">
+                <a:solidFill>
+                  <a:srgbClr val="FFFF00"/>
+                </a:solidFill>
+                <a:hlinkClick r:id="rId5">
+                  <a:extLst>
+                    <a:ext uri="{A12FA001-AC4F-418D-AE19-62706E023703}">
+                      <ahyp:hlinkClr xmlns:ahyp="http://schemas.microsoft.com/office/drawing/2018/hyperlinkcolor" val="tx"/>
+                    </a:ext>
+                  </a:extLst>
+                </a:hlinkClick>
+              </a:rPr>
+              <a:t>https://github.com/owenniblock/owenniblock/tree/main/talks</a:t>
+            </a:r>
+            <a:r>
+              <a:rPr lang="en-US" dirty="0">
+                <a:solidFill>
+                  <a:srgbClr val="FFFF00"/>
+                </a:solidFill>
+              </a:rPr>
+              <a:t> </a:t>
+            </a:r>
           </a:p>
         </p:txBody>
       </p:sp>
@@ -19182,6 +19395,96 @@
 </file>
 
 <file path=ppt/slides/slide10.xml><?xml version="1.0" encoding="utf-8"?>
+<p:sld xmlns:a="http://schemas.openxmlformats.org/drawingml/2006/main" xmlns:r="http://schemas.openxmlformats.org/officeDocument/2006/relationships" xmlns:p="http://schemas.openxmlformats.org/presentationml/2006/main">
+  <p:cSld>
+    <p:spTree>
+      <p:nvGrpSpPr>
+        <p:cNvPr id="1" name=""/>
+        <p:cNvGrpSpPr/>
+        <p:nvPr/>
+      </p:nvGrpSpPr>
+      <p:grpSpPr>
+        <a:xfrm>
+          <a:off x="0" y="0"/>
+          <a:ext cx="0" cy="0"/>
+          <a:chOff x="0" y="0"/>
+          <a:chExt cx="0" cy="0"/>
+        </a:xfrm>
+      </p:grpSpPr>
+      <p:sp>
+        <p:nvSpPr>
+          <p:cNvPr id="2" name="Title 1">
+            <a:extLst>
+              <a:ext uri="{FF2B5EF4-FFF2-40B4-BE49-F238E27FC236}">
+                <a16:creationId xmlns:a16="http://schemas.microsoft.com/office/drawing/2014/main" id="{4379689A-8CE2-30DF-EE2C-8C6CE9DA26C5}"/>
+              </a:ext>
+            </a:extLst>
+          </p:cNvPr>
+          <p:cNvSpPr>
+            <a:spLocks noGrp="1"/>
+          </p:cNvSpPr>
+          <p:nvPr>
+            <p:ph type="ctrTitle"/>
+          </p:nvPr>
+        </p:nvSpPr>
+        <p:spPr/>
+        <p:txBody>
+          <a:bodyPr>
+            <a:normAutofit/>
+          </a:bodyPr>
+          <a:lstStyle/>
+          <a:p>
+            <a:r>
+              <a:rPr lang="en-US" sz="9600" b="1" dirty="0"/>
+              <a:t>Noise</a:t>
+            </a:r>
+          </a:p>
+        </p:txBody>
+      </p:sp>
+      <p:sp>
+        <p:nvSpPr>
+          <p:cNvPr id="3" name="Subtitle 2">
+            <a:extLst>
+              <a:ext uri="{FF2B5EF4-FFF2-40B4-BE49-F238E27FC236}">
+                <a16:creationId xmlns:a16="http://schemas.microsoft.com/office/drawing/2014/main" id="{98D9D6C9-2FEB-DE54-E101-0287D693FCAF}"/>
+              </a:ext>
+            </a:extLst>
+          </p:cNvPr>
+          <p:cNvSpPr>
+            <a:spLocks noGrp="1"/>
+          </p:cNvSpPr>
+          <p:nvPr>
+            <p:ph type="subTitle" idx="1"/>
+          </p:nvPr>
+        </p:nvSpPr>
+        <p:spPr/>
+        <p:txBody>
+          <a:bodyPr>
+            <a:normAutofit/>
+          </a:bodyPr>
+          <a:lstStyle/>
+          <a:p>
+            <a:r>
+              <a:rPr lang="en-US" sz="3600" b="1" cap="none" dirty="0"/>
+              <a:t>No thank you!</a:t>
+            </a:r>
+          </a:p>
+        </p:txBody>
+      </p:sp>
+    </p:spTree>
+    <p:extLst>
+      <p:ext uri="{BB962C8B-B14F-4D97-AF65-F5344CB8AC3E}">
+        <p14:creationId xmlns:p14="http://schemas.microsoft.com/office/powerpoint/2010/main" val="2278340721"/>
+      </p:ext>
+    </p:extLst>
+  </p:cSld>
+  <p:clrMapOvr>
+    <a:masterClrMapping/>
+  </p:clrMapOvr>
+</p:sld>
+</file>
+
+<file path=ppt/slides/slide11.xml><?xml version="1.0" encoding="utf-8"?>
 <p:sld xmlns:a="http://schemas.openxmlformats.org/drawingml/2006/main" xmlns:r="http://schemas.openxmlformats.org/officeDocument/2006/relationships" xmlns:p="http://schemas.openxmlformats.org/presentationml/2006/main">
   <p:cSld>
     <p:spTree>
@@ -19252,13 +19555,13 @@
           <a:lstStyle/>
           <a:p>
             <a:r>
-              <a:rPr lang="en-US" sz="2800" b="1" dirty="0"/>
+              <a:rPr lang="en-US" sz="2800" b="1" cap="none" dirty="0"/>
               <a:t>Inconsistent processing speed</a:t>
             </a:r>
           </a:p>
           <a:p>
             <a:r>
-              <a:rPr lang="en-US" sz="2800" b="1" dirty="0"/>
+              <a:rPr lang="en-US" sz="2800" b="1" cap="none" dirty="0"/>
               <a:t>Provide alternative methods</a:t>
             </a:r>
           </a:p>
@@ -19277,7 +19580,7 @@
 </p:sld>
 </file>
 
-<file path=ppt/slides/slide11.xml><?xml version="1.0" encoding="utf-8"?>
+<file path=ppt/slides/slide12.xml><?xml version="1.0" encoding="utf-8"?>
 <p:sld xmlns:a="http://schemas.openxmlformats.org/drawingml/2006/main" xmlns:r="http://schemas.openxmlformats.org/officeDocument/2006/relationships" xmlns:p="http://schemas.openxmlformats.org/presentationml/2006/main">
   <p:cSld>
     <p:bg>
@@ -20492,7 +20795,7 @@
               </a:lnSpc>
             </a:pPr>
             <a:r>
-              <a:rPr lang="en-US" sz="2000" b="1" dirty="0">
+              <a:rPr lang="en-US" sz="2000" b="1" cap="none" dirty="0">
                 <a:solidFill>
                   <a:schemeClr val="tx2"/>
                 </a:solidFill>
@@ -20507,7 +20810,7 @@
               </a:lnSpc>
             </a:pPr>
             <a:r>
-              <a:rPr lang="en-US" sz="2000" b="1" dirty="0">
+              <a:rPr lang="en-US" sz="2000" b="1" cap="none" dirty="0">
                 <a:solidFill>
                   <a:schemeClr val="tx2"/>
                 </a:solidFill>
@@ -20522,7 +20825,7 @@
               </a:lnSpc>
             </a:pPr>
             <a:r>
-              <a:rPr lang="en-US" sz="2000" b="1" dirty="0">
+              <a:rPr lang="en-US" sz="2000" b="1" cap="none" dirty="0">
                 <a:solidFill>
                   <a:schemeClr val="tx2"/>
                 </a:solidFill>
@@ -20545,7 +20848,7 @@
 </p:sld>
 </file>
 
-<file path=ppt/slides/slide12.xml><?xml version="1.0" encoding="utf-8"?>
+<file path=ppt/slides/slide13.xml><?xml version="1.0" encoding="utf-8"?>
 <p:sld xmlns:a="http://schemas.openxmlformats.org/drawingml/2006/main" xmlns:r="http://schemas.openxmlformats.org/officeDocument/2006/relationships" xmlns:p="http://schemas.openxmlformats.org/presentationml/2006/main">
   <p:cSld>
     <p:bg>
@@ -21762,7 +22065,7 @@
           <a:p>
             <a:pPr algn="ctr"/>
             <a:r>
-              <a:rPr lang="en-US" sz="2400" b="1">
+              <a:rPr lang="en-US" sz="2400" b="1" cap="none" dirty="0">
                 <a:solidFill>
                   <a:schemeClr val="tx2"/>
                 </a:solidFill>
@@ -21785,7 +22088,7 @@
 </p:sld>
 </file>
 
-<file path=ppt/slides/slide13.xml><?xml version="1.0" encoding="utf-8"?>
+<file path=ppt/slides/slide14.xml><?xml version="1.0" encoding="utf-8"?>
 <p:sld xmlns:a="http://schemas.openxmlformats.org/drawingml/2006/main" xmlns:r="http://schemas.openxmlformats.org/officeDocument/2006/relationships" xmlns:p="http://schemas.openxmlformats.org/presentationml/2006/main">
   <p:cSld>
     <p:spTree>
@@ -21856,7 +22159,7 @@
           <a:lstStyle/>
           <a:p>
             <a:r>
-              <a:rPr lang="en-US" sz="3600" dirty="0"/>
+              <a:rPr lang="en-US" sz="3600" cap="none" dirty="0"/>
               <a:t>Another processing thing</a:t>
             </a:r>
           </a:p>
@@ -21866,137 +22169,6 @@
     <p:extLst>
       <p:ext uri="{BB962C8B-B14F-4D97-AF65-F5344CB8AC3E}">
         <p14:creationId xmlns:p14="http://schemas.microsoft.com/office/powerpoint/2010/main" val="4055446074"/>
-      </p:ext>
-    </p:extLst>
-  </p:cSld>
-  <p:clrMapOvr>
-    <a:masterClrMapping/>
-  </p:clrMapOvr>
-</p:sld>
-</file>
-
-<file path=ppt/slides/slide14.xml><?xml version="1.0" encoding="utf-8"?>
-<p:sld xmlns:a="http://schemas.openxmlformats.org/drawingml/2006/main" xmlns:r="http://schemas.openxmlformats.org/officeDocument/2006/relationships" xmlns:p="http://schemas.openxmlformats.org/presentationml/2006/main">
-  <p:cSld>
-    <p:spTree>
-      <p:nvGrpSpPr>
-        <p:cNvPr id="1" name=""/>
-        <p:cNvGrpSpPr/>
-        <p:nvPr/>
-      </p:nvGrpSpPr>
-      <p:grpSpPr>
-        <a:xfrm>
-          <a:off x="0" y="0"/>
-          <a:ext cx="0" cy="0"/>
-          <a:chOff x="0" y="0"/>
-          <a:chExt cx="0" cy="0"/>
-        </a:xfrm>
-      </p:grpSpPr>
-      <p:sp>
-        <p:nvSpPr>
-          <p:cNvPr id="2" name="Title 1">
-            <a:extLst>
-              <a:ext uri="{FF2B5EF4-FFF2-40B4-BE49-F238E27FC236}">
-                <a16:creationId xmlns:a16="http://schemas.microsoft.com/office/drawing/2014/main" id="{4379689A-8CE2-30DF-EE2C-8C6CE9DA26C5}"/>
-              </a:ext>
-            </a:extLst>
-          </p:cNvPr>
-          <p:cNvSpPr>
-            <a:spLocks noGrp="1"/>
-          </p:cNvSpPr>
-          <p:nvPr>
-            <p:ph type="ctrTitle"/>
-          </p:nvPr>
-        </p:nvSpPr>
-        <p:spPr/>
-        <p:txBody>
-          <a:bodyPr>
-            <a:normAutofit fontScale="90000"/>
-          </a:bodyPr>
-          <a:lstStyle/>
-          <a:p>
-            <a:r>
-              <a:rPr lang="en-US" sz="9600" b="1" dirty="0"/>
-              <a:t>Animations &amp; things that move</a:t>
-            </a:r>
-          </a:p>
-        </p:txBody>
-      </p:sp>
-      <p:sp>
-        <p:nvSpPr>
-          <p:cNvPr id="3" name="Subtitle 2">
-            <a:extLst>
-              <a:ext uri="{FF2B5EF4-FFF2-40B4-BE49-F238E27FC236}">
-                <a16:creationId xmlns:a16="http://schemas.microsoft.com/office/drawing/2014/main" id="{98D9D6C9-2FEB-DE54-E101-0287D693FCAF}"/>
-              </a:ext>
-            </a:extLst>
-          </p:cNvPr>
-          <p:cNvSpPr>
-            <a:spLocks noGrp="1"/>
-          </p:cNvSpPr>
-          <p:nvPr>
-            <p:ph type="subTitle" idx="1"/>
-          </p:nvPr>
-        </p:nvSpPr>
-        <p:spPr/>
-        <p:txBody>
-          <a:bodyPr>
-            <a:normAutofit fontScale="47500" lnSpcReduction="20000"/>
-          </a:bodyPr>
-          <a:lstStyle/>
-          <a:p>
-            <a:r>
-              <a:rPr lang="en-GB" sz="2800" dirty="0">
-                <a:solidFill>
-                  <a:srgbClr val="FFFF00"/>
-                </a:solidFill>
-                <a:hlinkClick r:id="rId2">
-                  <a:extLst>
-                    <a:ext uri="{A12FA001-AC4F-418D-AE19-62706E023703}">
-                      <ahyp:hlinkClr xmlns:ahyp="http://schemas.microsoft.com/office/drawing/2018/hyperlinkcolor" val="tx"/>
-                    </a:ext>
-                  </a:extLst>
-                </a:hlinkClick>
-              </a:rPr>
-              <a:t>prefers-reduced-motion - CSS: Cascading Style Sheets | MDN (mozilla.org)</a:t>
-            </a:r>
-            <a:endParaRPr lang="en-GB" sz="2800" dirty="0">
-              <a:solidFill>
-                <a:srgbClr val="FFFF00"/>
-              </a:solidFill>
-            </a:endParaRPr>
-          </a:p>
-          <a:p>
-            <a:r>
-              <a:rPr lang="en-GB" sz="2800" b="1" dirty="0">
-                <a:solidFill>
-                  <a:schemeClr val="bg1"/>
-                </a:solidFill>
-              </a:rPr>
-              <a:t>Ability to pause</a:t>
-            </a:r>
-          </a:p>
-          <a:p>
-            <a:r>
-              <a:rPr lang="en-GB" sz="2800" b="1" dirty="0">
-                <a:solidFill>
-                  <a:schemeClr val="bg1"/>
-                </a:solidFill>
-              </a:rPr>
-              <a:t>Unexpected movement is even worse</a:t>
-            </a:r>
-            <a:endParaRPr lang="en-US" sz="3600" b="1" dirty="0">
-              <a:solidFill>
-                <a:schemeClr val="bg1"/>
-              </a:solidFill>
-            </a:endParaRPr>
-          </a:p>
-        </p:txBody>
-      </p:sp>
-    </p:spTree>
-    <p:extLst>
-      <p:ext uri="{BB962C8B-B14F-4D97-AF65-F5344CB8AC3E}">
-        <p14:creationId xmlns:p14="http://schemas.microsoft.com/office/powerpoint/2010/main" val="2307251203"/>
       </p:ext>
     </p:extLst>
   </p:cSld>
@@ -22087,7 +22259,7 @@
           <a:lstStyle/>
           <a:p>
             <a:r>
-              <a:rPr lang="en-US" sz="3600" b="1" dirty="0"/>
+              <a:rPr lang="en-US" sz="3600" b="1" cap="none" dirty="0"/>
               <a:t>If it takes me ages to find out how much something costs, I won’t want it</a:t>
             </a:r>
           </a:p>
@@ -23650,7 +23822,7 @@
           <a:lstStyle/>
           <a:p>
             <a:r>
-              <a:rPr lang="en-GB" sz="2400" b="1">
+              <a:rPr lang="en-GB" sz="2400" b="1" cap="none" dirty="0">
                 <a:solidFill>
                   <a:schemeClr val="accent1">
                     <a:lumMod val="60000"/>
@@ -23658,10 +23830,10 @@
                   </a:schemeClr>
                 </a:solidFill>
               </a:rPr>
-              <a:t>Follow </a:t>
+              <a:t>Follow B</a:t>
             </a:r>
             <a:r>
-              <a:rPr lang="en-GB" sz="2400" b="1">
+              <a:rPr lang="en-GB" sz="2400" b="1" cap="none" dirty="0">
                 <a:solidFill>
                   <a:schemeClr val="accent1">
                     <a:lumMod val="60000"/>
@@ -23676,9 +23848,9 @@
                   </a:extLst>
                 </a:hlinkClick>
               </a:rPr>
-              <a:t>British Dyslexia’s style guide</a:t>
+              <a:t>ritish Dyslexia’s style guide</a:t>
             </a:r>
-            <a:endParaRPr lang="en-US" sz="2400" b="1">
+            <a:endParaRPr lang="en-US" sz="2400" b="1" cap="none" dirty="0">
               <a:solidFill>
                 <a:schemeClr val="accent1">
                   <a:lumMod val="60000"/>
@@ -23924,7 +24096,7 @@
               <a:avLst/>
             </a:prstGeom>
             <a:blipFill>
-              <a:blip r:embed="rId2">
+              <a:blip r:embed="rId3">
                 <a:duotone>
                   <a:schemeClr val="dk2">
                     <a:shade val="62000"/>
@@ -24951,7 +25123,7 @@
             <a:avLst/>
           </a:prstGeom>
           <a:blipFill>
-            <a:blip r:embed="rId2">
+            <a:blip r:embed="rId3">
               <a:duotone>
                 <a:schemeClr val="dk2">
                   <a:shade val="69000"/>
@@ -25810,7 +25982,7 @@
         </p:xfrm>
         <a:graphic>
           <a:graphicData uri="http://schemas.openxmlformats.org/drawingml/2006/diagram">
-            <dgm:relIds xmlns:dgm="http://schemas.openxmlformats.org/drawingml/2006/diagram" xmlns:r="http://schemas.openxmlformats.org/officeDocument/2006/relationships" r:dm="rId3" r:lo="rId4" r:qs="rId5" r:cs="rId6"/>
+            <dgm:relIds xmlns:dgm="http://schemas.openxmlformats.org/drawingml/2006/diagram" xmlns:r="http://schemas.openxmlformats.org/officeDocument/2006/relationships" r:dm="rId4" r:lo="rId5" r:qs="rId6" r:cs="rId7"/>
           </a:graphicData>
         </a:graphic>
       </p:graphicFrame>
@@ -25989,27 +26161,27 @@
           <a:lstStyle/>
           <a:p>
             <a:r>
-              <a:rPr lang="en-US" sz="3600" b="1" dirty="0"/>
+              <a:rPr lang="en-US" sz="3600" b="1" cap="none" dirty="0"/>
               <a:t>Avoid bright </a:t>
             </a:r>
             <a:r>
-              <a:rPr lang="en-US" sz="3600" b="1" dirty="0" err="1"/>
+              <a:rPr lang="en-US" sz="3600" b="1" cap="none" dirty="0" err="1"/>
               <a:t>colours</a:t>
             </a:r>
             <a:r>
-              <a:rPr lang="en-US" sz="3600" b="1" dirty="0"/>
+              <a:rPr lang="en-US" sz="3600" b="1" cap="none" dirty="0"/>
               <a:t>?</a:t>
             </a:r>
           </a:p>
           <a:p>
             <a:r>
-              <a:rPr lang="en-US" sz="3600" b="1" dirty="0"/>
+              <a:rPr lang="en-US" sz="3600" b="1" cap="none" dirty="0"/>
               <a:t>High contrast?</a:t>
             </a:r>
           </a:p>
           <a:p>
             <a:r>
-              <a:rPr lang="en-US" sz="3600" b="1" dirty="0"/>
+              <a:rPr lang="en-US" sz="3600" b="1" cap="none" dirty="0"/>
               <a:t>Options!</a:t>
             </a:r>
           </a:p>
@@ -26444,7 +26616,7 @@
               </a:lnSpc>
             </a:pPr>
             <a:r>
-              <a:rPr lang="en-US" sz="3600" dirty="0"/>
+              <a:rPr lang="en-US" sz="3600" cap="none" dirty="0"/>
               <a:t>You have failed the task</a:t>
             </a:r>
           </a:p>
@@ -26455,15 +26627,15 @@
               </a:lnSpc>
             </a:pPr>
             <a:r>
-              <a:rPr lang="en-US" sz="3600" dirty="0"/>
+              <a:rPr lang="en-US" sz="3600" cap="none" dirty="0"/>
               <a:t>Log back in, lose your work</a:t>
             </a:r>
             <a:br>
-              <a:rPr lang="en-US" sz="3600" dirty="0"/>
+              <a:rPr lang="en-US" sz="3600" cap="none" dirty="0"/>
             </a:br>
             <a:r>
-              <a:rPr lang="en-US" sz="3600" dirty="0"/>
-              <a:t>Spoon theory</a:t>
+              <a:rPr lang="en-US" sz="3600" cap="none" dirty="0"/>
+              <a:t>spoon theory</a:t>
             </a:r>
           </a:p>
         </p:txBody>
@@ -26574,8 +26746,13 @@
             </a:pPr>
             <a:r>
               <a:rPr lang="en-US" sz="3600" dirty="0"/>
-              <a:t>… but help me succeed</a:t>
+              <a:t>… </a:t>
             </a:r>
+            <a:r>
+              <a:rPr lang="en-US" sz="3600" cap="none" dirty="0"/>
+              <a:t>But help me succeed</a:t>
+            </a:r>
+            <a:endParaRPr lang="en-US" sz="3600" dirty="0"/>
           </a:p>
         </p:txBody>
       </p:sp>
@@ -26679,13 +26856,13 @@
           <a:lstStyle/>
           <a:p>
             <a:r>
-              <a:rPr lang="en-US" sz="3600" b="1" dirty="0"/>
+              <a:rPr lang="en-US" sz="3600" b="1" cap="none" dirty="0"/>
               <a:t>Explain the consequences</a:t>
             </a:r>
           </a:p>
           <a:p>
             <a:r>
-              <a:rPr lang="en-US" sz="3600" b="1" dirty="0"/>
+              <a:rPr lang="en-US" sz="3600" b="1" cap="none" dirty="0"/>
               <a:t>Let me change my mind</a:t>
             </a:r>
           </a:p>
@@ -26994,7 +27171,7 @@
               </a:lnSpc>
             </a:pPr>
             <a:r>
-              <a:rPr lang="en-US" sz="2000" b="1"/>
+              <a:rPr lang="en-US" sz="2000" b="1" cap="none" dirty="0"/>
               <a:t>The scenic route can give me comfort,</a:t>
             </a:r>
           </a:p>
@@ -27005,8 +27182,8 @@
               </a:lnSpc>
             </a:pPr>
             <a:r>
-              <a:rPr lang="en-US" sz="2000" b="1"/>
-              <a:t>require less cognitive overhead,</a:t>
+              <a:rPr lang="en-US" sz="2000" b="1" cap="none" dirty="0"/>
+              <a:t>Require less cognitive overhead,</a:t>
             </a:r>
           </a:p>
           <a:p>
@@ -27016,8 +27193,8 @@
               </a:lnSpc>
             </a:pPr>
             <a:r>
-              <a:rPr lang="en-US" sz="2000" b="1"/>
-              <a:t>and be easier for me to navigate.</a:t>
+              <a:rPr lang="en-US" sz="2000" b="1" cap="none" dirty="0"/>
+              <a:t>And be easier for me to navigate.</a:t>
             </a:r>
           </a:p>
         </p:txBody>
@@ -27091,6 +27268,106 @@
 </file>
 
 <file path=ppt/slides/slide27.xml><?xml version="1.0" encoding="utf-8"?>
+<p:sld xmlns:a="http://schemas.openxmlformats.org/drawingml/2006/main" xmlns:r="http://schemas.openxmlformats.org/officeDocument/2006/relationships" xmlns:p="http://schemas.openxmlformats.org/presentationml/2006/main">
+  <p:cSld>
+    <p:spTree>
+      <p:nvGrpSpPr>
+        <p:cNvPr id="1" name=""/>
+        <p:cNvGrpSpPr/>
+        <p:nvPr/>
+      </p:nvGrpSpPr>
+      <p:grpSpPr>
+        <a:xfrm>
+          <a:off x="0" y="0"/>
+          <a:ext cx="0" cy="0"/>
+          <a:chOff x="0" y="0"/>
+          <a:chExt cx="0" cy="0"/>
+        </a:xfrm>
+      </p:grpSpPr>
+      <p:sp>
+        <p:nvSpPr>
+          <p:cNvPr id="2" name="Title 1">
+            <a:extLst>
+              <a:ext uri="{FF2B5EF4-FFF2-40B4-BE49-F238E27FC236}">
+                <a16:creationId xmlns:a16="http://schemas.microsoft.com/office/drawing/2014/main" id="{4379689A-8CE2-30DF-EE2C-8C6CE9DA26C5}"/>
+              </a:ext>
+            </a:extLst>
+          </p:cNvPr>
+          <p:cNvSpPr>
+            <a:spLocks noGrp="1"/>
+          </p:cNvSpPr>
+          <p:nvPr>
+            <p:ph type="ctrTitle"/>
+          </p:nvPr>
+        </p:nvSpPr>
+        <p:spPr>
+          <a:xfrm>
+            <a:off x="1154955" y="1283304"/>
+            <a:ext cx="8825658" cy="2677648"/>
+          </a:xfrm>
+        </p:spPr>
+        <p:txBody>
+          <a:bodyPr>
+            <a:normAutofit fontScale="90000"/>
+          </a:bodyPr>
+          <a:lstStyle/>
+          <a:p>
+            <a:r>
+              <a:rPr lang="en-US" sz="9600" b="1" dirty="0"/>
+              <a:t>Help me find stuff</a:t>
+            </a:r>
+          </a:p>
+        </p:txBody>
+      </p:sp>
+      <p:sp>
+        <p:nvSpPr>
+          <p:cNvPr id="3" name="Subtitle 2">
+            <a:extLst>
+              <a:ext uri="{FF2B5EF4-FFF2-40B4-BE49-F238E27FC236}">
+                <a16:creationId xmlns:a16="http://schemas.microsoft.com/office/drawing/2014/main" id="{98D9D6C9-2FEB-DE54-E101-0287D693FCAF}"/>
+              </a:ext>
+            </a:extLst>
+          </p:cNvPr>
+          <p:cNvSpPr>
+            <a:spLocks noGrp="1"/>
+          </p:cNvSpPr>
+          <p:nvPr>
+            <p:ph type="subTitle" idx="1"/>
+          </p:nvPr>
+        </p:nvSpPr>
+        <p:spPr>
+          <a:xfrm>
+            <a:off x="1154955" y="4116073"/>
+            <a:ext cx="8825658" cy="861420"/>
+          </a:xfrm>
+        </p:spPr>
+        <p:txBody>
+          <a:bodyPr>
+            <a:noAutofit/>
+          </a:bodyPr>
+          <a:lstStyle/>
+          <a:p>
+            <a:r>
+              <a:rPr lang="en-US" sz="3600" b="1" dirty="0"/>
+              <a:t>Sometimes I find it hard to remember where stuff is</a:t>
+            </a:r>
+          </a:p>
+        </p:txBody>
+      </p:sp>
+    </p:spTree>
+    <p:extLst>
+      <p:ext uri="{BB962C8B-B14F-4D97-AF65-F5344CB8AC3E}">
+        <p14:creationId xmlns:p14="http://schemas.microsoft.com/office/powerpoint/2010/main" val="4176629081"/>
+      </p:ext>
+    </p:extLst>
+  </p:cSld>
+  <p:clrMapOvr>
+    <a:masterClrMapping/>
+  </p:clrMapOvr>
+</p:sld>
+</file>
+
+<file path=ppt/slides/slide28.xml><?xml version="1.0" encoding="utf-8"?>
 <p:sld xmlns:a="http://schemas.openxmlformats.org/drawingml/2006/main" xmlns:r="http://schemas.openxmlformats.org/officeDocument/2006/relationships" xmlns:p="http://schemas.openxmlformats.org/presentationml/2006/main">
   <p:cSld>
     <p:bg>
@@ -27419,106 +27696,6 @@
 </p:sld>
 </file>
 
-<file path=ppt/slides/slide28.xml><?xml version="1.0" encoding="utf-8"?>
-<p:sld xmlns:a="http://schemas.openxmlformats.org/drawingml/2006/main" xmlns:r="http://schemas.openxmlformats.org/officeDocument/2006/relationships" xmlns:p="http://schemas.openxmlformats.org/presentationml/2006/main">
-  <p:cSld>
-    <p:spTree>
-      <p:nvGrpSpPr>
-        <p:cNvPr id="1" name=""/>
-        <p:cNvGrpSpPr/>
-        <p:nvPr/>
-      </p:nvGrpSpPr>
-      <p:grpSpPr>
-        <a:xfrm>
-          <a:off x="0" y="0"/>
-          <a:ext cx="0" cy="0"/>
-          <a:chOff x="0" y="0"/>
-          <a:chExt cx="0" cy="0"/>
-        </a:xfrm>
-      </p:grpSpPr>
-      <p:sp>
-        <p:nvSpPr>
-          <p:cNvPr id="2" name="Title 1">
-            <a:extLst>
-              <a:ext uri="{FF2B5EF4-FFF2-40B4-BE49-F238E27FC236}">
-                <a16:creationId xmlns:a16="http://schemas.microsoft.com/office/drawing/2014/main" id="{4379689A-8CE2-30DF-EE2C-8C6CE9DA26C5}"/>
-              </a:ext>
-            </a:extLst>
-          </p:cNvPr>
-          <p:cNvSpPr>
-            <a:spLocks noGrp="1"/>
-          </p:cNvSpPr>
-          <p:nvPr>
-            <p:ph type="ctrTitle"/>
-          </p:nvPr>
-        </p:nvSpPr>
-        <p:spPr>
-          <a:xfrm>
-            <a:off x="1154955" y="1283304"/>
-            <a:ext cx="8825658" cy="2677648"/>
-          </a:xfrm>
-        </p:spPr>
-        <p:txBody>
-          <a:bodyPr>
-            <a:normAutofit fontScale="90000"/>
-          </a:bodyPr>
-          <a:lstStyle/>
-          <a:p>
-            <a:r>
-              <a:rPr lang="en-US" sz="9600" b="1" dirty="0"/>
-              <a:t>Help me find stuff</a:t>
-            </a:r>
-          </a:p>
-        </p:txBody>
-      </p:sp>
-      <p:sp>
-        <p:nvSpPr>
-          <p:cNvPr id="3" name="Subtitle 2">
-            <a:extLst>
-              <a:ext uri="{FF2B5EF4-FFF2-40B4-BE49-F238E27FC236}">
-                <a16:creationId xmlns:a16="http://schemas.microsoft.com/office/drawing/2014/main" id="{98D9D6C9-2FEB-DE54-E101-0287D693FCAF}"/>
-              </a:ext>
-            </a:extLst>
-          </p:cNvPr>
-          <p:cNvSpPr>
-            <a:spLocks noGrp="1"/>
-          </p:cNvSpPr>
-          <p:nvPr>
-            <p:ph type="subTitle" idx="1"/>
-          </p:nvPr>
-        </p:nvSpPr>
-        <p:spPr>
-          <a:xfrm>
-            <a:off x="1154955" y="4116073"/>
-            <a:ext cx="8825658" cy="861420"/>
-          </a:xfrm>
-        </p:spPr>
-        <p:txBody>
-          <a:bodyPr>
-            <a:noAutofit/>
-          </a:bodyPr>
-          <a:lstStyle/>
-          <a:p>
-            <a:r>
-              <a:rPr lang="en-US" sz="3600" b="1" dirty="0"/>
-              <a:t>Sometimes I find it hard to remember where stuff is</a:t>
-            </a:r>
-          </a:p>
-        </p:txBody>
-      </p:sp>
-    </p:spTree>
-    <p:extLst>
-      <p:ext uri="{BB962C8B-B14F-4D97-AF65-F5344CB8AC3E}">
-        <p14:creationId xmlns:p14="http://schemas.microsoft.com/office/powerpoint/2010/main" val="4176629081"/>
-      </p:ext>
-    </p:extLst>
-  </p:cSld>
-  <p:clrMapOvr>
-    <a:masterClrMapping/>
-  </p:clrMapOvr>
-</p:sld>
-</file>
-
 <file path=ppt/slides/slide29.xml><?xml version="1.0" encoding="utf-8"?>
 <p:sld xmlns:a="http://schemas.openxmlformats.org/drawingml/2006/main" xmlns:r="http://schemas.openxmlformats.org/officeDocument/2006/relationships" xmlns:p="http://schemas.openxmlformats.org/presentationml/2006/main">
   <p:cSld>
@@ -27606,7 +27783,7 @@
           <a:lstStyle/>
           <a:p>
             <a:r>
-              <a:rPr lang="en-US" sz="3600" b="1" dirty="0"/>
+              <a:rPr lang="en-US" sz="3600" b="1" cap="none" dirty="0"/>
               <a:t>Toasts and warnings that disappear don’t help me</a:t>
             </a:r>
           </a:p>
@@ -28501,7 +28678,7 @@
           <a:lstStyle/>
           <a:p>
             <a:r>
-              <a:rPr lang="en-US" sz="3600" b="1" dirty="0"/>
+              <a:rPr lang="en-US" sz="3600" b="1" cap="none" dirty="0"/>
               <a:t>Human contact in various forms never seems to happen any more </a:t>
             </a:r>
             <a:r>
@@ -28956,11 +29133,11 @@
               </a:lnSpc>
             </a:pPr>
             <a:r>
-              <a:rPr lang="en-US" sz="1100" dirty="0"/>
+              <a:rPr lang="en-US" sz="1100" cap="none" dirty="0"/>
               <a:t>WCAG: </a:t>
             </a:r>
             <a:r>
-              <a:rPr lang="en-GB" sz="1100" dirty="0">
+              <a:rPr lang="en-GB" sz="1100" cap="none" dirty="0">
                 <a:solidFill>
                   <a:srgbClr val="FFFF00"/>
                 </a:solidFill>
@@ -28972,9 +29149,9 @@
                   </a:extLst>
                 </a:hlinkClick>
               </a:rPr>
-              <a:t>Web Content Accessibility Guidelines (WCAG) 2.1 (w3.org)</a:t>
+              <a:t>web content accessibility guidelines (WCAG) 2.1 (w3.Org)</a:t>
             </a:r>
-            <a:endParaRPr lang="en-US" sz="1100" dirty="0">
+            <a:endParaRPr lang="en-US" sz="1100" cap="none" dirty="0">
               <a:solidFill>
                 <a:srgbClr val="FFFF00"/>
               </a:solidFill>
@@ -28987,11 +29164,11 @@
               </a:lnSpc>
             </a:pPr>
             <a:r>
-              <a:rPr lang="en-US" sz="1100" dirty="0"/>
+              <a:rPr lang="en-US" sz="1100" cap="none" dirty="0"/>
               <a:t>COGA: </a:t>
             </a:r>
             <a:r>
-              <a:rPr lang="en-GB" sz="1100" dirty="0">
+              <a:rPr lang="en-GB" sz="1100" cap="none" dirty="0">
                 <a:solidFill>
                   <a:srgbClr val="FFFF00"/>
                 </a:solidFill>
@@ -29003,9 +29180,9 @@
                   </a:extLst>
                 </a:hlinkClick>
               </a:rPr>
-              <a:t>Making Content Usable for People with Cognitive and Learning Disabilities (w3.org)</a:t>
+              <a:t>making content usable for people with cognitive and learning disabilities (w3.Org)</a:t>
             </a:r>
-            <a:endParaRPr lang="en-US" sz="1100" dirty="0">
+            <a:endParaRPr lang="en-US" sz="1100" cap="none" dirty="0">
               <a:solidFill>
                 <a:srgbClr val="FFFF00"/>
               </a:solidFill>
@@ -29175,7 +29352,7 @@
               </a:lnSpc>
             </a:pPr>
             <a:r>
-              <a:rPr lang="en-US" sz="1100" dirty="0">
+              <a:rPr lang="en-US" sz="1100" cap="none" dirty="0">
                 <a:solidFill>
                   <a:srgbClr val="FFFF00"/>
                 </a:solidFill>
@@ -29189,7 +29366,7 @@
               </a:rPr>
               <a:t>Inclusive design for cognition guidebook (PDF)</a:t>
             </a:r>
-            <a:endParaRPr lang="en-US" sz="1100" dirty="0">
+            <a:endParaRPr lang="en-US" sz="1100" cap="none" dirty="0">
               <a:solidFill>
                 <a:srgbClr val="FFFF00"/>
               </a:solidFill>
@@ -29202,7 +29379,7 @@
               </a:lnSpc>
             </a:pPr>
             <a:r>
-              <a:rPr lang="en-US" sz="1100" dirty="0">
+              <a:rPr lang="en-US" sz="1100" cap="none" dirty="0">
                 <a:solidFill>
                   <a:srgbClr val="FFFF00"/>
                 </a:solidFill>
@@ -29214,9 +29391,9 @@
                   </a:extLst>
                 </a:hlinkClick>
               </a:rPr>
-              <a:t>Mental Health Guidebook (pdf)</a:t>
+              <a:t>Mental health guidebook (pdf)</a:t>
             </a:r>
-            <a:endParaRPr lang="en-US" sz="1100" dirty="0">
+            <a:endParaRPr lang="en-US" sz="1100" cap="none" dirty="0">
               <a:solidFill>
                 <a:srgbClr val="FFFF00"/>
               </a:solidFill>
@@ -29386,11 +29563,11 @@
               </a:lnSpc>
             </a:pPr>
             <a:r>
-              <a:rPr lang="en-US" sz="1100" dirty="0"/>
-              <a:t>UK Gov: </a:t>
+              <a:rPr lang="en-US" sz="1100" cap="none" dirty="0"/>
+              <a:t>UK gov: </a:t>
             </a:r>
             <a:r>
-              <a:rPr lang="en-US" sz="1100" dirty="0">
+              <a:rPr lang="en-US" sz="1100" cap="none" dirty="0">
                 <a:solidFill>
                   <a:srgbClr val="FFFF00"/>
                 </a:solidFill>
@@ -29402,9 +29579,9 @@
                   </a:extLst>
                 </a:hlinkClick>
               </a:rPr>
-              <a:t>Dos and Don’ts on designing for accessibility</a:t>
+              <a:t>dos and don’ts on designing for accessibility</a:t>
             </a:r>
-            <a:endParaRPr lang="en-US" sz="1100" dirty="0">
+            <a:endParaRPr lang="en-US" sz="1100" cap="none" dirty="0">
               <a:solidFill>
                 <a:srgbClr val="FFFF00"/>
               </a:solidFill>
@@ -29417,11 +29594,15 @@
               </a:lnSpc>
             </a:pPr>
             <a:r>
-              <a:rPr lang="en-US" sz="1100" dirty="0"/>
-              <a:t>GitHub Blog: </a:t>
+              <a:rPr lang="en-US" sz="1100" cap="none" dirty="0" err="1"/>
+              <a:t>Github</a:t>
             </a:r>
             <a:r>
-              <a:rPr lang="en-GB" sz="1100" dirty="0">
+              <a:rPr lang="en-US" sz="1100" cap="none" dirty="0"/>
+              <a:t> blog: </a:t>
+            </a:r>
+            <a:r>
+              <a:rPr lang="en-GB" sz="1100" cap="none" dirty="0">
                 <a:solidFill>
                   <a:srgbClr val="FFFF00"/>
                 </a:solidFill>
@@ -29433,9 +29614,9 @@
                   </a:extLst>
                 </a:hlinkClick>
               </a:rPr>
-              <a:t>How GitHub supports neurodiverse employees (and how your company can, too)</a:t>
+              <a:t>how github supports neurodiverse employees (and how your company can, too)</a:t>
             </a:r>
-            <a:endParaRPr lang="en-US" sz="1100" dirty="0">
+            <a:endParaRPr lang="en-US" sz="1100" cap="none" dirty="0">
               <a:solidFill>
                 <a:srgbClr val="FFFF00"/>
               </a:solidFill>
@@ -29717,7 +29898,7 @@
           <a:lstStyle/>
           <a:p>
             <a:r>
-              <a:rPr lang="en-US" dirty="0">
+              <a:rPr lang="en-US" cap="none" dirty="0">
                 <a:solidFill>
                   <a:schemeClr val="tx2"/>
                 </a:solidFill>
@@ -29727,12 +29908,12 @@
           </a:p>
           <a:p>
             <a:r>
-              <a:rPr lang="en-US" dirty="0">
+              <a:rPr lang="en-US" cap="none" dirty="0">
                 <a:solidFill>
                   <a:schemeClr val="tx2"/>
                 </a:solidFill>
               </a:rPr>
-              <a:t>Create Space for a community</a:t>
+              <a:t>Create space for a community</a:t>
             </a:r>
           </a:p>
         </p:txBody>
@@ -31018,7 +31199,7 @@
           <a:lstStyle/>
           <a:p>
             <a:r>
-              <a:rPr lang="en-US" sz="2400" b="1">
+              <a:rPr lang="en-US" sz="2400" b="1" cap="none" dirty="0">
                 <a:solidFill>
                   <a:schemeClr val="accent1">
                     <a:lumMod val="60000"/>
@@ -31031,7 +31212,7 @@
           </a:p>
           <a:p>
             <a:r>
-              <a:rPr lang="en-US" sz="2400" b="1">
+              <a:rPr lang="en-US" sz="2400" b="1" cap="none" dirty="0">
                 <a:solidFill>
                   <a:schemeClr val="accent1">
                     <a:lumMod val="60000"/>
@@ -31044,7 +31225,7 @@
           </a:p>
           <a:p>
             <a:r>
-              <a:rPr lang="en-US" sz="2400" b="1">
+              <a:rPr lang="en-US" sz="2400" b="1" cap="none" dirty="0">
                 <a:solidFill>
                   <a:schemeClr val="accent1">
                     <a:lumMod val="60000"/>
@@ -31148,7 +31329,7 @@
           <a:lstStyle/>
           <a:p>
             <a:r>
-              <a:rPr lang="en-US" sz="3600" dirty="0">
+              <a:rPr lang="en-US" sz="3600" cap="none" dirty="0">
                 <a:solidFill>
                   <a:schemeClr val="bg1"/>
                 </a:solidFill>
@@ -31158,7 +31339,7 @@
           </a:p>
           <a:p>
             <a:r>
-              <a:rPr lang="en-US" sz="3600" dirty="0">
+              <a:rPr lang="en-US" sz="3600" cap="none" dirty="0">
                 <a:solidFill>
                   <a:schemeClr val="bg1"/>
                 </a:solidFill>
@@ -31168,7 +31349,7 @@
           </a:p>
           <a:p>
             <a:r>
-              <a:rPr lang="en-US" sz="3600" dirty="0">
+              <a:rPr lang="en-US" sz="3600" cap="none" dirty="0">
                 <a:solidFill>
                   <a:schemeClr val="bg1"/>
                 </a:solidFill>
@@ -36777,13 +36958,13 @@
         <p:spPr/>
         <p:txBody>
           <a:bodyPr>
-            <a:normAutofit/>
+            <a:normAutofit fontScale="90000"/>
           </a:bodyPr>
           <a:lstStyle/>
           <a:p>
             <a:r>
               <a:rPr lang="en-US" sz="9600" b="1" dirty="0"/>
-              <a:t>Noise</a:t>
+              <a:t>Animations &amp; things that move</a:t>
             </a:r>
           </a:p>
         </p:txBody>
@@ -36807,21 +36988,62 @@
         <p:spPr/>
         <p:txBody>
           <a:bodyPr>
-            <a:normAutofit/>
+            <a:normAutofit fontScale="47500" lnSpcReduction="20000"/>
           </a:bodyPr>
           <a:lstStyle/>
           <a:p>
             <a:r>
-              <a:rPr lang="en-US" sz="3600" b="1" dirty="0"/>
-              <a:t>No thank you!</a:t>
+              <a:rPr lang="en-GB" sz="2800" cap="none" dirty="0">
+                <a:solidFill>
+                  <a:srgbClr val="FFFF00"/>
+                </a:solidFill>
+                <a:hlinkClick r:id="rId2">
+                  <a:extLst>
+                    <a:ext uri="{A12FA001-AC4F-418D-AE19-62706E023703}">
+                      <ahyp:hlinkClr xmlns:ahyp="http://schemas.microsoft.com/office/drawing/2018/hyperlinkcolor" val="tx"/>
+                    </a:ext>
+                  </a:extLst>
+                </a:hlinkClick>
+              </a:rPr>
+              <a:t>Prefers-reduced-motion - CSS: cascading style sheets | MDN (mozilla.Org)</a:t>
             </a:r>
+            <a:endParaRPr lang="en-GB" sz="2800" cap="none" dirty="0">
+              <a:solidFill>
+                <a:srgbClr val="FFFF00"/>
+              </a:solidFill>
+            </a:endParaRPr>
+          </a:p>
+          <a:p>
+            <a:r>
+              <a:rPr lang="en-GB" sz="2800" b="1" cap="none" dirty="0">
+                <a:solidFill>
+                  <a:schemeClr val="bg1"/>
+                </a:solidFill>
+              </a:rPr>
+              <a:t>Ability to pause</a:t>
+            </a:r>
+          </a:p>
+          <a:p>
+            <a:r>
+              <a:rPr lang="en-GB" sz="2800" b="1" cap="none" dirty="0">
+                <a:solidFill>
+                  <a:schemeClr val="bg1"/>
+                </a:solidFill>
+              </a:rPr>
+              <a:t>Unexpected movement is even worse</a:t>
+            </a:r>
+            <a:endParaRPr lang="en-US" sz="3600" b="1" cap="none" dirty="0">
+              <a:solidFill>
+                <a:schemeClr val="bg1"/>
+              </a:solidFill>
+            </a:endParaRPr>
           </a:p>
         </p:txBody>
       </p:sp>
     </p:spTree>
     <p:extLst>
       <p:ext uri="{BB962C8B-B14F-4D97-AF65-F5344CB8AC3E}">
-        <p14:creationId xmlns:p14="http://schemas.microsoft.com/office/powerpoint/2010/main" val="2278340721"/>
+        <p14:creationId xmlns:p14="http://schemas.microsoft.com/office/powerpoint/2010/main" val="2307251203"/>
       </p:ext>
     </p:extLst>
   </p:cSld>
